--- a/documentation/live-stream.pptx
+++ b/documentation/live-stream.pptx
@@ -5,14 +5,15 @@
     <p:sldMasterId id="2147483648" r:id="rId1"/>
   </p:sldMasterIdLst>
   <p:notesMasterIdLst>
-    <p:notesMasterId r:id="rId7"/>
+    <p:notesMasterId r:id="rId8"/>
   </p:notesMasterIdLst>
   <p:sldIdLst>
     <p:sldId id="256" r:id="rId2"/>
-    <p:sldId id="257" r:id="rId3"/>
-    <p:sldId id="258" r:id="rId4"/>
-    <p:sldId id="260" r:id="rId5"/>
-    <p:sldId id="261" r:id="rId6"/>
+    <p:sldId id="262" r:id="rId3"/>
+    <p:sldId id="257" r:id="rId4"/>
+    <p:sldId id="258" r:id="rId5"/>
+    <p:sldId id="260" r:id="rId6"/>
+    <p:sldId id="261" r:id="rId7"/>
   </p:sldIdLst>
   <p:sldSz cx="12192000" cy="6858000"/>
   <p:notesSz cx="6858000" cy="9144000"/>
@@ -111,6 +112,11 @@
       </a:defRPr>
     </a:lvl9pPr>
   </p:defaultTextStyle>
+  <p:extLst>
+    <p:ext uri="{EFAFB233-063F-42B5-8137-9DF3F51BA10A}">
+      <p15:sldGuideLst xmlns:p15="http://schemas.microsoft.com/office/powerpoint/2012/main"/>
+    </p:ext>
+  </p:extLst>
 </p:presentation>
 </file>
 
@@ -529,7 +535,7 @@
           <a:p>
             <a:fld id="{1F351353-9235-F74B-B0F8-5B70E4CB2A65}" type="slidenum">
               <a:rPr lang="en-DE" smtClean="0"/>
-              <a:t>4</a:t>
+              <a:t>5</a:t>
             </a:fld>
             <a:endParaRPr lang="en-DE"/>
           </a:p>
@@ -4410,14 +4416,6 @@
 <file path=ppt/slides/slide2.xml><?xml version="1.0" encoding="utf-8"?>
 <p:sld xmlns:a="http://schemas.openxmlformats.org/drawingml/2006/main" xmlns:r="http://schemas.openxmlformats.org/officeDocument/2006/relationships" xmlns:p="http://schemas.openxmlformats.org/presentationml/2006/main">
   <p:cSld>
-    <p:bg>
-      <p:bgPr>
-        <a:solidFill>
-          <a:schemeClr val="bg1"/>
-        </a:solidFill>
-        <a:effectLst/>
-      </p:bgPr>
-    </p:bg>
     <p:spTree>
       <p:nvGrpSpPr>
         <p:cNvPr id="1" name=""/>
@@ -4432,231 +4430,105 @@
           <a:chExt cx="0" cy="0"/>
         </a:xfrm>
       </p:grpSpPr>
-      <p:sp useBgFill="1">
-        <p:nvSpPr>
-          <p:cNvPr id="10" name="Rectangle 9">
-            <a:extLst>
-              <a:ext uri="{FF2B5EF4-FFF2-40B4-BE49-F238E27FC236}">
-                <a16:creationId xmlns:a16="http://schemas.microsoft.com/office/drawing/2014/main" id="{22F15A2D-2324-487D-A02A-BF46C5C580EB}"/>
-              </a:ext>
-              <a:ext uri="{C183D7F6-B498-43B3-948B-1728B52AA6E4}">
-                <adec:decorative xmlns:adec="http://schemas.microsoft.com/office/drawing/2017/decorative" val="1"/>
-              </a:ext>
-            </a:extLst>
-          </p:cNvPr>
-          <p:cNvSpPr>
-            <a:spLocks noGrp="1" noRot="1" noChangeAspect="1" noMove="1" noResize="1" noEditPoints="1" noAdjustHandles="1" noChangeArrowheads="1" noChangeShapeType="1" noTextEdit="1"/>
-          </p:cNvSpPr>
-          <p:nvPr>
-            <p:extLst>
-              <p:ext uri="{386F3935-93C4-4BCD-93E2-E3B085C9AB24}">
-                <p16:designElem xmlns:p16="http://schemas.microsoft.com/office/powerpoint/2015/main" val="1"/>
-              </p:ext>
-            </p:extLst>
+      <p:sp>
+        <p:nvSpPr>
+          <p:cNvPr id="2" name="Title 1">
+            <a:extLst>
+              <a:ext uri="{FF2B5EF4-FFF2-40B4-BE49-F238E27FC236}">
+                <a16:creationId xmlns:a16="http://schemas.microsoft.com/office/drawing/2014/main" id="{7C7D8B00-79BF-E81B-F1DC-7B04989E8830}"/>
+              </a:ext>
+            </a:extLst>
+          </p:cNvPr>
+          <p:cNvSpPr>
+            <a:spLocks noGrp="1"/>
+          </p:cNvSpPr>
+          <p:nvPr>
+            <p:ph type="title"/>
+          </p:nvPr>
+        </p:nvSpPr>
+        <p:spPr/>
+        <p:txBody>
+          <a:bodyPr/>
+          <a:lstStyle/>
+          <a:p>
+            <a:r>
+              <a:rPr lang="en-DE" dirty="0"/>
+              <a:t>Topics of the livestream</a:t>
+            </a:r>
+          </a:p>
+        </p:txBody>
+      </p:sp>
+      <p:sp>
+        <p:nvSpPr>
+          <p:cNvPr id="3" name="Content Placeholder 2">
+            <a:extLst>
+              <a:ext uri="{FF2B5EF4-FFF2-40B4-BE49-F238E27FC236}">
+                <a16:creationId xmlns:a16="http://schemas.microsoft.com/office/drawing/2014/main" id="{7F6C63D9-BD77-95AA-E2FB-0117E5AA577C}"/>
+              </a:ext>
+            </a:extLst>
+          </p:cNvPr>
+          <p:cNvSpPr>
+            <a:spLocks noGrp="1"/>
+          </p:cNvSpPr>
+          <p:nvPr>
+            <p:ph idx="1"/>
           </p:nvPr>
         </p:nvSpPr>
         <p:spPr>
           <a:xfrm>
-            <a:off x="0" y="0"/>
-            <a:ext cx="12192000" cy="6858000"/>
+            <a:off x="838200" y="1852129"/>
+            <a:ext cx="10515600" cy="4351338"/>
           </a:xfrm>
-          <a:prstGeom prst="rect">
-            <a:avLst/>
-          </a:prstGeom>
-          <a:ln>
-            <a:noFill/>
-          </a:ln>
         </p:spPr>
-        <p:style>
-          <a:lnRef idx="2">
-            <a:schemeClr val="accent1">
-              <a:shade val="50000"/>
-            </a:schemeClr>
-          </a:lnRef>
-          <a:fillRef idx="1">
-            <a:schemeClr val="accent1"/>
-          </a:fillRef>
-          <a:effectRef idx="0">
-            <a:schemeClr val="accent1"/>
-          </a:effectRef>
-          <a:fontRef idx="minor">
-            <a:schemeClr val="lt1"/>
-          </a:fontRef>
-        </p:style>
-        <p:txBody>
-          <a:bodyPr rtlCol="0" anchor="ctr"/>
-          <a:lstStyle/>
-          <a:p>
-            <a:pPr algn="ctr"/>
-            <a:endParaRPr lang="en-US"/>
-          </a:p>
-        </p:txBody>
-      </p:sp>
-      <p:sp>
-        <p:nvSpPr>
-          <p:cNvPr id="12" name="Right Triangle 11">
-            <a:extLst>
-              <a:ext uri="{FF2B5EF4-FFF2-40B4-BE49-F238E27FC236}">
-                <a16:creationId xmlns:a16="http://schemas.microsoft.com/office/drawing/2014/main" id="{2AEAFA59-923A-4F54-8B49-44C970BCC323}"/>
-              </a:ext>
-              <a:ext uri="{C183D7F6-B498-43B3-948B-1728B52AA6E4}">
-                <adec:decorative xmlns:adec="http://schemas.microsoft.com/office/drawing/2017/decorative" val="1"/>
-              </a:ext>
-            </a:extLst>
-          </p:cNvPr>
-          <p:cNvSpPr>
-            <a:spLocks noGrp="1" noRot="1" noChangeAspect="1" noMove="1" noResize="1" noEditPoints="1" noAdjustHandles="1" noChangeArrowheads="1" noChangeShapeType="1" noTextEdit="1"/>
-          </p:cNvSpPr>
-          <p:nvPr>
-            <p:extLst>
-              <p:ext uri="{386F3935-93C4-4BCD-93E2-E3B085C9AB24}">
-                <p16:designElem xmlns:p16="http://schemas.microsoft.com/office/powerpoint/2015/main" val="1"/>
-              </p:ext>
-            </p:extLst>
-          </p:nvPr>
-        </p:nvSpPr>
-        <p:spPr>
-          <a:xfrm flipH="1">
-            <a:off x="8576720" y="3335867"/>
-            <a:ext cx="3291840" cy="3200400"/>
-          </a:xfrm>
-          <a:prstGeom prst="rtTriangle">
-            <a:avLst/>
-          </a:prstGeom>
-          <a:solidFill>
-            <a:schemeClr val="accent4"/>
-          </a:solidFill>
-          <a:ln>
-            <a:noFill/>
-          </a:ln>
-        </p:spPr>
-        <p:style>
-          <a:lnRef idx="2">
-            <a:schemeClr val="accent1">
-              <a:shade val="50000"/>
-            </a:schemeClr>
-          </a:lnRef>
-          <a:fillRef idx="1">
-            <a:schemeClr val="accent1"/>
-          </a:fillRef>
-          <a:effectRef idx="0">
-            <a:schemeClr val="accent1"/>
-          </a:effectRef>
-          <a:fontRef idx="minor">
-            <a:schemeClr val="lt1"/>
-          </a:fontRef>
-        </p:style>
-        <p:txBody>
-          <a:bodyPr rtlCol="0" anchor="ctr"/>
-          <a:lstStyle/>
-          <a:p>
-            <a:pPr algn="ctr"/>
-            <a:endParaRPr lang="en-US" dirty="0"/>
-          </a:p>
-        </p:txBody>
-      </p:sp>
-      <p:sp>
-        <p:nvSpPr>
-          <p:cNvPr id="14" name="Rectangle 13">
-            <a:extLst>
-              <a:ext uri="{FF2B5EF4-FFF2-40B4-BE49-F238E27FC236}">
-                <a16:creationId xmlns:a16="http://schemas.microsoft.com/office/drawing/2014/main" id="{C37E9D4B-7BFA-4D10-B666-547BAC499469}"/>
-              </a:ext>
-              <a:ext uri="{C183D7F6-B498-43B3-948B-1728B52AA6E4}">
-                <adec:decorative xmlns:adec="http://schemas.microsoft.com/office/drawing/2017/decorative" val="1"/>
-              </a:ext>
-            </a:extLst>
-          </p:cNvPr>
-          <p:cNvSpPr>
-            <a:spLocks noGrp="1" noRot="1" noChangeAspect="1" noMove="1" noResize="1" noEditPoints="1" noAdjustHandles="1" noChangeArrowheads="1" noChangeShapeType="1" noTextEdit="1"/>
-          </p:cNvSpPr>
-          <p:nvPr>
-            <p:extLst>
-              <p:ext uri="{386F3935-93C4-4BCD-93E2-E3B085C9AB24}">
-                <p16:designElem xmlns:p16="http://schemas.microsoft.com/office/powerpoint/2015/main" val="1"/>
-              </p:ext>
-            </p:extLst>
-          </p:nvPr>
-        </p:nvSpPr>
-        <p:spPr>
-          <a:xfrm>
-            <a:off x="641774" y="623275"/>
-            <a:ext cx="10905053" cy="5607882"/>
-          </a:xfrm>
-          <a:prstGeom prst="rect">
-            <a:avLst/>
-          </a:prstGeom>
-          <a:noFill/>
-          <a:ln w="19050">
-            <a:solidFill>
-              <a:schemeClr val="tx1">
-                <a:lumMod val="75000"/>
-                <a:lumOff val="25000"/>
-              </a:schemeClr>
-            </a:solidFill>
-          </a:ln>
-        </p:spPr>
-        <p:style>
-          <a:lnRef idx="2">
-            <a:schemeClr val="accent1">
-              <a:shade val="50000"/>
-            </a:schemeClr>
-          </a:lnRef>
-          <a:fillRef idx="1">
-            <a:schemeClr val="accent1"/>
-          </a:fillRef>
-          <a:effectRef idx="0">
-            <a:schemeClr val="accent1"/>
-          </a:effectRef>
-          <a:fontRef idx="minor">
-            <a:schemeClr val="lt1"/>
-          </a:fontRef>
-        </p:style>
-        <p:txBody>
-          <a:bodyPr rtlCol="0" anchor="ctr"/>
-          <a:lstStyle/>
-          <a:p>
-            <a:pPr algn="ctr"/>
-            <a:endParaRPr lang="en-US"/>
-          </a:p>
-        </p:txBody>
-      </p:sp>
-      <p:pic>
-        <p:nvPicPr>
-          <p:cNvPr id="5" name="Content Placeholder 4" descr="A screenshot of a computer&#10;&#10;Description automatically generated">
-            <a:extLst>
-              <a:ext uri="{FF2B5EF4-FFF2-40B4-BE49-F238E27FC236}">
-                <a16:creationId xmlns:a16="http://schemas.microsoft.com/office/drawing/2014/main" id="{92C13346-45C1-DA44-A26A-CF30092C2DAA}"/>
-              </a:ext>
-            </a:extLst>
-          </p:cNvPr>
-          <p:cNvPicPr>
-            <a:picLocks noGrp="1" noChangeAspect="1"/>
-          </p:cNvPicPr>
-          <p:nvPr>
-            <p:ph idx="1"/>
-          </p:nvPr>
-        </p:nvPicPr>
-        <p:blipFill>
-          <a:blip r:embed="rId2"/>
-          <a:stretch>
-            <a:fillRect/>
-          </a:stretch>
-        </p:blipFill>
-        <p:spPr>
-          <a:xfrm>
-            <a:off x="962163" y="1800771"/>
-            <a:ext cx="7746709" cy="3214883"/>
-          </a:xfrm>
-          <a:prstGeom prst="rect">
-            <a:avLst/>
-          </a:prstGeom>
-        </p:spPr>
-      </p:pic>
+        <p:txBody>
+          <a:bodyPr/>
+          <a:lstStyle/>
+          <a:p>
+            <a:pPr marL="514350" indent="-514350">
+              <a:buFont typeface="+mj-lt"/>
+              <a:buAutoNum type="arabicPeriod"/>
+            </a:pPr>
+            <a:r>
+              <a:rPr lang="en-GB" dirty="0"/>
+              <a:t>The example</a:t>
+            </a:r>
+          </a:p>
+          <a:p>
+            <a:pPr marL="514350" indent="-514350">
+              <a:buFont typeface="+mj-lt"/>
+              <a:buAutoNum type="arabicPeriod"/>
+            </a:pPr>
+            <a:r>
+              <a:rPr lang="en-GB" dirty="0"/>
+              <a:t>Run the example locally as Python application</a:t>
+            </a:r>
+          </a:p>
+          <a:p>
+            <a:pPr marL="514350" indent="-514350">
+              <a:buFont typeface="+mj-lt"/>
+              <a:buAutoNum type="arabicPeriod"/>
+            </a:pPr>
+            <a:r>
+              <a:rPr lang="en-GB" dirty="0"/>
+              <a:t>Run the example locally as a container</a:t>
+            </a:r>
+          </a:p>
+          <a:p>
+            <a:pPr marL="514350" indent="-514350">
+              <a:buFont typeface="+mj-lt"/>
+              <a:buAutoNum type="arabicPeriod"/>
+            </a:pPr>
+            <a:r>
+              <a:rPr lang="en-GB" dirty="0"/>
+              <a:t>Run the container on IBM Cloud Code Engine</a:t>
+            </a:r>
+          </a:p>
+        </p:txBody>
+      </p:sp>
     </p:spTree>
     <p:extLst>
       <p:ext uri="{BB962C8B-B14F-4D97-AF65-F5344CB8AC3E}">
-        <p14:creationId xmlns:p14="http://schemas.microsoft.com/office/powerpoint/2010/main" val="2122158980"/>
+        <p14:creationId xmlns:p14="http://schemas.microsoft.com/office/powerpoint/2010/main" val="1065137358"/>
       </p:ext>
     </p:extLst>
   </p:cSld>
@@ -4882,10 +4754,10 @@
       </p:sp>
       <p:pic>
         <p:nvPicPr>
-          <p:cNvPr id="5" name="Content Placeholder 4" descr="A screenshot of a computer screen&#10;&#10;Description automatically generated">
-            <a:extLst>
-              <a:ext uri="{FF2B5EF4-FFF2-40B4-BE49-F238E27FC236}">
-                <a16:creationId xmlns:a16="http://schemas.microsoft.com/office/drawing/2014/main" id="{F81582CB-614F-8AC8-639F-596462F274F6}"/>
+          <p:cNvPr id="5" name="Content Placeholder 4" descr="A screenshot of a computer&#10;&#10;Description automatically generated">
+            <a:extLst>
+              <a:ext uri="{FF2B5EF4-FFF2-40B4-BE49-F238E27FC236}">
+                <a16:creationId xmlns:a16="http://schemas.microsoft.com/office/drawing/2014/main" id="{92C13346-45C1-DA44-A26A-CF30092C2DAA}"/>
               </a:ext>
             </a:extLst>
           </p:cNvPr>
@@ -4904,8 +4776,8 @@
         </p:blipFill>
         <p:spPr>
           <a:xfrm>
-            <a:off x="962163" y="2217157"/>
-            <a:ext cx="7746709" cy="2382112"/>
+            <a:off x="962163" y="1800771"/>
+            <a:ext cx="7746709" cy="3214883"/>
           </a:xfrm>
           <a:prstGeom prst="rect">
             <a:avLst/>
@@ -4915,7 +4787,7 @@
     </p:spTree>
     <p:extLst>
       <p:ext uri="{BB962C8B-B14F-4D97-AF65-F5344CB8AC3E}">
-        <p14:creationId xmlns:p14="http://schemas.microsoft.com/office/powerpoint/2010/main" val="271343470"/>
+        <p14:creationId xmlns:p14="http://schemas.microsoft.com/office/powerpoint/2010/main" val="2122158980"/>
       </p:ext>
     </p:extLst>
   </p:cSld>
@@ -5141,6 +5013,265 @@
       </p:sp>
       <p:pic>
         <p:nvPicPr>
+          <p:cNvPr id="5" name="Content Placeholder 4" descr="A screenshot of a computer screen&#10;&#10;Description automatically generated">
+            <a:extLst>
+              <a:ext uri="{FF2B5EF4-FFF2-40B4-BE49-F238E27FC236}">
+                <a16:creationId xmlns:a16="http://schemas.microsoft.com/office/drawing/2014/main" id="{F81582CB-614F-8AC8-639F-596462F274F6}"/>
+              </a:ext>
+            </a:extLst>
+          </p:cNvPr>
+          <p:cNvPicPr>
+            <a:picLocks noGrp="1" noChangeAspect="1"/>
+          </p:cNvPicPr>
+          <p:nvPr>
+            <p:ph idx="1"/>
+          </p:nvPr>
+        </p:nvPicPr>
+        <p:blipFill>
+          <a:blip r:embed="rId2"/>
+          <a:stretch>
+            <a:fillRect/>
+          </a:stretch>
+        </p:blipFill>
+        <p:spPr>
+          <a:xfrm>
+            <a:off x="962163" y="2217157"/>
+            <a:ext cx="7746709" cy="2382112"/>
+          </a:xfrm>
+          <a:prstGeom prst="rect">
+            <a:avLst/>
+          </a:prstGeom>
+        </p:spPr>
+      </p:pic>
+    </p:spTree>
+    <p:extLst>
+      <p:ext uri="{BB962C8B-B14F-4D97-AF65-F5344CB8AC3E}">
+        <p14:creationId xmlns:p14="http://schemas.microsoft.com/office/powerpoint/2010/main" val="271343470"/>
+      </p:ext>
+    </p:extLst>
+  </p:cSld>
+  <p:clrMapOvr>
+    <a:masterClrMapping/>
+  </p:clrMapOvr>
+</p:sld>
+</file>
+
+<file path=ppt/slides/slide5.xml><?xml version="1.0" encoding="utf-8"?>
+<p:sld xmlns:a="http://schemas.openxmlformats.org/drawingml/2006/main" xmlns:r="http://schemas.openxmlformats.org/officeDocument/2006/relationships" xmlns:p="http://schemas.openxmlformats.org/presentationml/2006/main">
+  <p:cSld>
+    <p:bg>
+      <p:bgPr>
+        <a:solidFill>
+          <a:schemeClr val="bg1"/>
+        </a:solidFill>
+        <a:effectLst/>
+      </p:bgPr>
+    </p:bg>
+    <p:spTree>
+      <p:nvGrpSpPr>
+        <p:cNvPr id="1" name=""/>
+        <p:cNvGrpSpPr/>
+        <p:nvPr/>
+      </p:nvGrpSpPr>
+      <p:grpSpPr>
+        <a:xfrm>
+          <a:off x="0" y="0"/>
+          <a:ext cx="0" cy="0"/>
+          <a:chOff x="0" y="0"/>
+          <a:chExt cx="0" cy="0"/>
+        </a:xfrm>
+      </p:grpSpPr>
+      <p:sp useBgFill="1">
+        <p:nvSpPr>
+          <p:cNvPr id="10" name="Rectangle 9">
+            <a:extLst>
+              <a:ext uri="{FF2B5EF4-FFF2-40B4-BE49-F238E27FC236}">
+                <a16:creationId xmlns:a16="http://schemas.microsoft.com/office/drawing/2014/main" id="{22F15A2D-2324-487D-A02A-BF46C5C580EB}"/>
+              </a:ext>
+              <a:ext uri="{C183D7F6-B498-43B3-948B-1728B52AA6E4}">
+                <adec:decorative xmlns:adec="http://schemas.microsoft.com/office/drawing/2017/decorative" val="1"/>
+              </a:ext>
+            </a:extLst>
+          </p:cNvPr>
+          <p:cNvSpPr>
+            <a:spLocks noGrp="1" noRot="1" noChangeAspect="1" noMove="1" noResize="1" noEditPoints="1" noAdjustHandles="1" noChangeArrowheads="1" noChangeShapeType="1" noTextEdit="1"/>
+          </p:cNvSpPr>
+          <p:nvPr>
+            <p:extLst>
+              <p:ext uri="{386F3935-93C4-4BCD-93E2-E3B085C9AB24}">
+                <p16:designElem xmlns:p16="http://schemas.microsoft.com/office/powerpoint/2015/main" val="1"/>
+              </p:ext>
+            </p:extLst>
+          </p:nvPr>
+        </p:nvSpPr>
+        <p:spPr>
+          <a:xfrm>
+            <a:off x="0" y="0"/>
+            <a:ext cx="12192000" cy="6858000"/>
+          </a:xfrm>
+          <a:prstGeom prst="rect">
+            <a:avLst/>
+          </a:prstGeom>
+          <a:ln>
+            <a:noFill/>
+          </a:ln>
+        </p:spPr>
+        <p:style>
+          <a:lnRef idx="2">
+            <a:schemeClr val="accent1">
+              <a:shade val="50000"/>
+            </a:schemeClr>
+          </a:lnRef>
+          <a:fillRef idx="1">
+            <a:schemeClr val="accent1"/>
+          </a:fillRef>
+          <a:effectRef idx="0">
+            <a:schemeClr val="accent1"/>
+          </a:effectRef>
+          <a:fontRef idx="minor">
+            <a:schemeClr val="lt1"/>
+          </a:fontRef>
+        </p:style>
+        <p:txBody>
+          <a:bodyPr rtlCol="0" anchor="ctr"/>
+          <a:lstStyle/>
+          <a:p>
+            <a:pPr algn="ctr"/>
+            <a:endParaRPr lang="en-US"/>
+          </a:p>
+        </p:txBody>
+      </p:sp>
+      <p:sp>
+        <p:nvSpPr>
+          <p:cNvPr id="12" name="Right Triangle 11">
+            <a:extLst>
+              <a:ext uri="{FF2B5EF4-FFF2-40B4-BE49-F238E27FC236}">
+                <a16:creationId xmlns:a16="http://schemas.microsoft.com/office/drawing/2014/main" id="{2AEAFA59-923A-4F54-8B49-44C970BCC323}"/>
+              </a:ext>
+              <a:ext uri="{C183D7F6-B498-43B3-948B-1728B52AA6E4}">
+                <adec:decorative xmlns:adec="http://schemas.microsoft.com/office/drawing/2017/decorative" val="1"/>
+              </a:ext>
+            </a:extLst>
+          </p:cNvPr>
+          <p:cNvSpPr>
+            <a:spLocks noGrp="1" noRot="1" noChangeAspect="1" noMove="1" noResize="1" noEditPoints="1" noAdjustHandles="1" noChangeArrowheads="1" noChangeShapeType="1" noTextEdit="1"/>
+          </p:cNvSpPr>
+          <p:nvPr>
+            <p:extLst>
+              <p:ext uri="{386F3935-93C4-4BCD-93E2-E3B085C9AB24}">
+                <p16:designElem xmlns:p16="http://schemas.microsoft.com/office/powerpoint/2015/main" val="1"/>
+              </p:ext>
+            </p:extLst>
+          </p:nvPr>
+        </p:nvSpPr>
+        <p:spPr>
+          <a:xfrm flipH="1">
+            <a:off x="8576720" y="3335867"/>
+            <a:ext cx="3291840" cy="3200400"/>
+          </a:xfrm>
+          <a:prstGeom prst="rtTriangle">
+            <a:avLst/>
+          </a:prstGeom>
+          <a:solidFill>
+            <a:schemeClr val="accent4"/>
+          </a:solidFill>
+          <a:ln>
+            <a:noFill/>
+          </a:ln>
+        </p:spPr>
+        <p:style>
+          <a:lnRef idx="2">
+            <a:schemeClr val="accent1">
+              <a:shade val="50000"/>
+            </a:schemeClr>
+          </a:lnRef>
+          <a:fillRef idx="1">
+            <a:schemeClr val="accent1"/>
+          </a:fillRef>
+          <a:effectRef idx="0">
+            <a:schemeClr val="accent1"/>
+          </a:effectRef>
+          <a:fontRef idx="minor">
+            <a:schemeClr val="lt1"/>
+          </a:fontRef>
+        </p:style>
+        <p:txBody>
+          <a:bodyPr rtlCol="0" anchor="ctr"/>
+          <a:lstStyle/>
+          <a:p>
+            <a:pPr algn="ctr"/>
+            <a:endParaRPr lang="en-US" dirty="0"/>
+          </a:p>
+        </p:txBody>
+      </p:sp>
+      <p:sp>
+        <p:nvSpPr>
+          <p:cNvPr id="14" name="Rectangle 13">
+            <a:extLst>
+              <a:ext uri="{FF2B5EF4-FFF2-40B4-BE49-F238E27FC236}">
+                <a16:creationId xmlns:a16="http://schemas.microsoft.com/office/drawing/2014/main" id="{C37E9D4B-7BFA-4D10-B666-547BAC499469}"/>
+              </a:ext>
+              <a:ext uri="{C183D7F6-B498-43B3-948B-1728B52AA6E4}">
+                <adec:decorative xmlns:adec="http://schemas.microsoft.com/office/drawing/2017/decorative" val="1"/>
+              </a:ext>
+            </a:extLst>
+          </p:cNvPr>
+          <p:cNvSpPr>
+            <a:spLocks noGrp="1" noRot="1" noChangeAspect="1" noMove="1" noResize="1" noEditPoints="1" noAdjustHandles="1" noChangeArrowheads="1" noChangeShapeType="1" noTextEdit="1"/>
+          </p:cNvSpPr>
+          <p:nvPr>
+            <p:extLst>
+              <p:ext uri="{386F3935-93C4-4BCD-93E2-E3B085C9AB24}">
+                <p16:designElem xmlns:p16="http://schemas.microsoft.com/office/powerpoint/2015/main" val="1"/>
+              </p:ext>
+            </p:extLst>
+          </p:nvPr>
+        </p:nvSpPr>
+        <p:spPr>
+          <a:xfrm>
+            <a:off x="641774" y="623275"/>
+            <a:ext cx="10905053" cy="5607882"/>
+          </a:xfrm>
+          <a:prstGeom prst="rect">
+            <a:avLst/>
+          </a:prstGeom>
+          <a:noFill/>
+          <a:ln w="19050">
+            <a:solidFill>
+              <a:schemeClr val="tx1">
+                <a:lumMod val="75000"/>
+                <a:lumOff val="25000"/>
+              </a:schemeClr>
+            </a:solidFill>
+          </a:ln>
+        </p:spPr>
+        <p:style>
+          <a:lnRef idx="2">
+            <a:schemeClr val="accent1">
+              <a:shade val="50000"/>
+            </a:schemeClr>
+          </a:lnRef>
+          <a:fillRef idx="1">
+            <a:schemeClr val="accent1"/>
+          </a:fillRef>
+          <a:effectRef idx="0">
+            <a:schemeClr val="accent1"/>
+          </a:effectRef>
+          <a:fontRef idx="minor">
+            <a:schemeClr val="lt1"/>
+          </a:fontRef>
+        </p:style>
+        <p:txBody>
+          <a:bodyPr rtlCol="0" anchor="ctr"/>
+          <a:lstStyle/>
+          <a:p>
+            <a:pPr algn="ctr"/>
+            <a:endParaRPr lang="en-US"/>
+          </a:p>
+        </p:txBody>
+      </p:sp>
+      <p:pic>
+        <p:nvPicPr>
           <p:cNvPr id="2" name="Picture 1">
             <a:extLst>
               <a:ext uri="{FF2B5EF4-FFF2-40B4-BE49-F238E27FC236}">
@@ -5182,7 +5313,7 @@
 </p:sld>
 </file>
 
-<file path=ppt/slides/slide5.xml><?xml version="1.0" encoding="utf-8"?>
+<file path=ppt/slides/slide6.xml><?xml version="1.0" encoding="utf-8"?>
 <p:sld xmlns:a="http://schemas.openxmlformats.org/drawingml/2006/main" xmlns:r="http://schemas.openxmlformats.org/officeDocument/2006/relationships" xmlns:p="http://schemas.openxmlformats.org/presentationml/2006/main">
   <p:cSld>
     <p:spTree>

--- a/documentation/live-stream.pptx
+++ b/documentation/live-stream.pptx
@@ -4500,7 +4500,15 @@
             </a:pPr>
             <a:r>
               <a:rPr lang="en-GB" dirty="0"/>
-              <a:t>Run the example locally as Python application</a:t>
+              <a:t>Run the example locally </a:t>
+            </a:r>
+            <a:r>
+              <a:rPr lang="en-GB"/>
+              <a:t>as a Python </a:t>
+            </a:r>
+            <a:r>
+              <a:rPr lang="en-GB" dirty="0"/>
+              <a:t>application</a:t>
             </a:r>
           </a:p>
           <a:p>
